--- a/Hackathon Presentation.pptx
+++ b/Hackathon Presentation.pptx
@@ -9,13 +9,11 @@
     <p:sldId id="257" r:id="rId3"/>
     <p:sldId id="258" r:id="rId4"/>
     <p:sldId id="259" r:id="rId5"/>
-    <p:sldId id="281" r:id="rId6"/>
-    <p:sldId id="282" r:id="rId7"/>
-    <p:sldId id="283" r:id="rId8"/>
-    <p:sldId id="276" r:id="rId9"/>
-    <p:sldId id="278" r:id="rId10"/>
-    <p:sldId id="279" r:id="rId11"/>
-    <p:sldId id="280" r:id="rId12"/>
+    <p:sldId id="284" r:id="rId6"/>
+    <p:sldId id="286" r:id="rId7"/>
+    <p:sldId id="285" r:id="rId8"/>
+    <p:sldId id="278" r:id="rId9"/>
+    <p:sldId id="279" r:id="rId10"/>
   </p:sldIdLst>
   <p:sldSz cx="9144000" cy="6858000" type="screen4x3"/>
   <p:notesSz cx="6858000" cy="9144000"/>
@@ -5117,8 +5115,8 @@
         </p:nvSpPr>
         <p:spPr>
           <a:xfrm>
-            <a:off x="1752600" y="2438401"/>
-            <a:ext cx="5698069" cy="1219199"/>
+            <a:off x="1752600" y="2286001"/>
+            <a:ext cx="5698069" cy="1371600"/>
           </a:xfrm>
         </p:spPr>
         <p:txBody>
@@ -5127,37 +5125,13 @@
           </a:bodyPr>
           <a:lstStyle/>
           <a:p>
-            <a:r>
-              <a:rPr lang="en-US" sz="2600" dirty="0">
-                <a:solidFill>
-                  <a:srgbClr val="002060"/>
-                </a:solidFill>
-              </a:rPr>
-              <a:t>A</a:t>
-            </a:r>
             <a:r>
               <a:rPr lang="en-US" sz="2600" dirty="0" smtClean="0">
                 <a:solidFill>
                   <a:srgbClr val="002060"/>
                 </a:solidFill>
               </a:rPr>
-              <a:t> </a:t>
-            </a:r>
-            <a:r>
-              <a:rPr lang="en-US" sz="2600" dirty="0">
-                <a:solidFill>
-                  <a:srgbClr val="002060"/>
-                </a:solidFill>
-              </a:rPr>
-              <a:t>c</a:t>
-            </a:r>
-            <a:r>
-              <a:rPr lang="en-US" sz="2600" dirty="0" smtClean="0">
-                <a:solidFill>
-                  <a:srgbClr val="002060"/>
-                </a:solidFill>
-              </a:rPr>
-              <a:t>omplete job portal</a:t>
+              <a:t/>
             </a:r>
             <a:br>
               <a:rPr lang="en-US" sz="2600" dirty="0" smtClean="0">
@@ -5166,6 +5140,52 @@
                 </a:solidFill>
               </a:rPr>
             </a:br>
+            <a:r>
+              <a:rPr lang="en-US" sz="2600" dirty="0">
+                <a:solidFill>
+                  <a:srgbClr val="002060"/>
+                </a:solidFill>
+              </a:rPr>
+              <a:t/>
+            </a:r>
+            <a:br>
+              <a:rPr lang="en-US" sz="2600" dirty="0">
+                <a:solidFill>
+                  <a:srgbClr val="002060"/>
+                </a:solidFill>
+              </a:rPr>
+            </a:br>
+            <a:r>
+              <a:rPr lang="en-US" sz="2600" u="sng" dirty="0" smtClean="0">
+                <a:solidFill>
+                  <a:srgbClr val="002060"/>
+                </a:solidFill>
+              </a:rPr>
+              <a:t>A complete job portal</a:t>
+            </a:r>
+            <a:r>
+              <a:rPr lang="en-US" sz="2600" dirty="0" smtClean="0">
+                <a:solidFill>
+                  <a:srgbClr val="002060"/>
+                </a:solidFill>
+              </a:rPr>
+              <a:t/>
+            </a:r>
+            <a:br>
+              <a:rPr lang="en-US" sz="2600" dirty="0" smtClean="0">
+                <a:solidFill>
+                  <a:srgbClr val="002060"/>
+                </a:solidFill>
+              </a:rPr>
+            </a:br>
+            <a:r>
+              <a:rPr lang="en-US" sz="2600" b="1" dirty="0" smtClean="0">
+                <a:solidFill>
+                  <a:srgbClr val="002060"/>
+                </a:solidFill>
+              </a:rPr>
+              <a:t>IBM HACKATHON</a:t>
+            </a:r>
             <a:r>
               <a:rPr lang="en-US" sz="2200" dirty="0" smtClean="0">
                 <a:solidFill>
@@ -5384,197 +5404,6 @@
     <p:extLst>
       <p:ext uri="{BB962C8B-B14F-4D97-AF65-F5344CB8AC3E}">
         <p14:creationId xmlns:p14="http://schemas.microsoft.com/office/powerpoint/2010/main" val="917976892"/>
-      </p:ext>
-    </p:extLst>
-  </p:cSld>
-  <p:clrMapOvr>
-    <a:masterClrMapping/>
-  </p:clrMapOvr>
-  <p:timing>
-    <p:tnLst>
-      <p:par>
-        <p:cTn id="1" dur="indefinite" restart="never" nodeType="tmRoot"/>
-      </p:par>
-    </p:tnLst>
-  </p:timing>
-</p:sld>
-</file>
-
-<file path=ppt/slides/slide10.xml><?xml version="1.0" encoding="utf-8"?>
-<p:sld xmlns:a="http://schemas.openxmlformats.org/drawingml/2006/main" xmlns:r="http://schemas.openxmlformats.org/officeDocument/2006/relationships" xmlns:p="http://schemas.openxmlformats.org/presentationml/2006/main">
-  <p:cSld>
-    <p:spTree>
-      <p:nvGrpSpPr>
-        <p:cNvPr id="1" name=""/>
-        <p:cNvGrpSpPr/>
-        <p:nvPr/>
-      </p:nvGrpSpPr>
-      <p:grpSpPr>
-        <a:xfrm>
-          <a:off x="0" y="0"/>
-          <a:ext cx="0" cy="0"/>
-          <a:chOff x="0" y="0"/>
-          <a:chExt cx="0" cy="0"/>
-        </a:xfrm>
-      </p:grpSpPr>
-      <p:pic>
-        <p:nvPicPr>
-          <p:cNvPr id="4098" name="Picture 2" descr="C:\Users\Ravisha\Desktop\9309_original.gif"/>
-          <p:cNvPicPr>
-            <a:picLocks noGrp="1" noChangeAspect="1" noChangeArrowheads="1" noCrop="1"/>
-          </p:cNvPicPr>
-          <p:nvPr>
-            <p:ph idx="1"/>
-          </p:nvPr>
-        </p:nvPicPr>
-        <p:blipFill>
-          <a:blip r:embed="rId2">
-            <a:extLst>
-              <a:ext uri="{28A0092B-C50C-407E-A947-70E740481C1C}">
-                <a14:useLocalDpi xmlns:a14="http://schemas.microsoft.com/office/drawing/2010/main" val="0"/>
-              </a:ext>
-            </a:extLst>
-          </a:blip>
-          <a:srcRect/>
-          <a:stretch>
-            <a:fillRect/>
-          </a:stretch>
-        </p:blipFill>
-        <p:spPr bwMode="auto">
-          <a:xfrm>
-            <a:off x="1295400" y="990600"/>
-            <a:ext cx="6285209" cy="4800600"/>
-          </a:xfrm>
-          <a:prstGeom prst="rect">
-            <a:avLst/>
-          </a:prstGeom>
-          <a:noFill/>
-          <a:extLst>
-            <a:ext uri="{909E8E84-426E-40DD-AFC4-6F175D3DCCD1}">
-              <a14:hiddenFill xmlns:a14="http://schemas.microsoft.com/office/drawing/2010/main">
-                <a:solidFill>
-                  <a:srgbClr val="FFFFFF"/>
-                </a:solidFill>
-              </a14:hiddenFill>
-            </a:ext>
-          </a:extLst>
-        </p:spPr>
-      </p:pic>
-    </p:spTree>
-    <p:extLst>
-      <p:ext uri="{BB962C8B-B14F-4D97-AF65-F5344CB8AC3E}">
-        <p14:creationId xmlns:p14="http://schemas.microsoft.com/office/powerpoint/2010/main" val="2127245683"/>
-      </p:ext>
-    </p:extLst>
-  </p:cSld>
-  <p:clrMapOvr>
-    <a:masterClrMapping/>
-  </p:clrMapOvr>
-  <p:timing>
-    <p:tnLst>
-      <p:par>
-        <p:cTn id="1" dur="indefinite" restart="never" nodeType="tmRoot"/>
-      </p:par>
-    </p:tnLst>
-  </p:timing>
-</p:sld>
-</file>
-
-<file path=ppt/slides/slide11.xml><?xml version="1.0" encoding="utf-8"?>
-<p:sld xmlns:a="http://schemas.openxmlformats.org/drawingml/2006/main" xmlns:r="http://schemas.openxmlformats.org/officeDocument/2006/relationships" xmlns:p="http://schemas.openxmlformats.org/presentationml/2006/main">
-  <p:cSld>
-    <p:spTree>
-      <p:nvGrpSpPr>
-        <p:cNvPr id="1" name=""/>
-        <p:cNvGrpSpPr/>
-        <p:nvPr/>
-      </p:nvGrpSpPr>
-      <p:grpSpPr>
-        <a:xfrm>
-          <a:off x="0" y="0"/>
-          <a:ext cx="0" cy="0"/>
-          <a:chOff x="0" y="0"/>
-          <a:chExt cx="0" cy="0"/>
-        </a:xfrm>
-      </p:grpSpPr>
-      <p:sp>
-        <p:nvSpPr>
-          <p:cNvPr id="2" name="Title 1"/>
-          <p:cNvSpPr>
-            <a:spLocks noGrp="1"/>
-          </p:cNvSpPr>
-          <p:nvPr>
-            <p:ph type="title"/>
-          </p:nvPr>
-        </p:nvSpPr>
-        <p:spPr/>
-        <p:txBody>
-          <a:bodyPr/>
-          <a:lstStyle/>
-          <a:p>
-            <a:r>
-              <a:rPr lang="en-US" dirty="0" smtClean="0">
-                <a:solidFill>
-                  <a:srgbClr val="002060"/>
-                </a:solidFill>
-              </a:rPr>
-              <a:t>Queries???</a:t>
-            </a:r>
-            <a:endParaRPr lang="en-US" dirty="0">
-              <a:solidFill>
-                <a:srgbClr val="002060"/>
-              </a:solidFill>
-            </a:endParaRPr>
-          </a:p>
-        </p:txBody>
-      </p:sp>
-      <p:pic>
-        <p:nvPicPr>
-          <p:cNvPr id="5122" name="Picture 2" descr="C:\Users\Ravisha\Desktop\5-eTapestry-Query-Building-Tips-from-a-Sidekick.jpg"/>
-          <p:cNvPicPr>
-            <a:picLocks noGrp="1" noChangeAspect="1" noChangeArrowheads="1"/>
-          </p:cNvPicPr>
-          <p:nvPr>
-            <p:ph idx="1"/>
-          </p:nvPr>
-        </p:nvPicPr>
-        <p:blipFill>
-          <a:blip r:embed="rId2">
-            <a:extLst>
-              <a:ext uri="{28A0092B-C50C-407E-A947-70E740481C1C}">
-                <a14:useLocalDpi xmlns:a14="http://schemas.microsoft.com/office/drawing/2010/main" val="0"/>
-              </a:ext>
-            </a:extLst>
-          </a:blip>
-          <a:srcRect/>
-          <a:stretch>
-            <a:fillRect/>
-          </a:stretch>
-        </p:blipFill>
-        <p:spPr bwMode="auto">
-          <a:xfrm>
-            <a:off x="1625394" y="2285999"/>
-            <a:ext cx="5872574" cy="3657601"/>
-          </a:xfrm>
-          <a:prstGeom prst="rect">
-            <a:avLst/>
-          </a:prstGeom>
-          <a:noFill/>
-          <a:extLst>
-            <a:ext uri="{909E8E84-426E-40DD-AFC4-6F175D3DCCD1}">
-              <a14:hiddenFill xmlns:a14="http://schemas.microsoft.com/office/drawing/2010/main">
-                <a:solidFill>
-                  <a:srgbClr val="FFFFFF"/>
-                </a:solidFill>
-              </a14:hiddenFill>
-            </a:ext>
-          </a:extLst>
-        </p:spPr>
-      </p:pic>
-    </p:spTree>
-    <p:extLst>
-      <p:ext uri="{BB962C8B-B14F-4D97-AF65-F5344CB8AC3E}">
-        <p14:creationId xmlns:p14="http://schemas.microsoft.com/office/powerpoint/2010/main" val="1633263043"/>
       </p:ext>
     </p:extLst>
   </p:cSld>
@@ -5674,11 +5503,6 @@
               </a:rPr>
               <a:t>Idea</a:t>
             </a:r>
-            <a:endParaRPr lang="en-US" dirty="0" smtClean="0">
-              <a:solidFill>
-                <a:srgbClr val="002060"/>
-              </a:solidFill>
-            </a:endParaRPr>
           </a:p>
           <a:p>
             <a:r>
@@ -5709,11 +5533,6 @@
               </a:rPr>
               <a:t>Conclusion</a:t>
             </a:r>
-            <a:endParaRPr lang="en-US" dirty="0" smtClean="0">
-              <a:solidFill>
-                <a:srgbClr val="002060"/>
-              </a:solidFill>
-            </a:endParaRPr>
           </a:p>
           <a:p>
             <a:pPr lvl="1"/>
@@ -5833,14 +5652,80 @@
             <a:r>
               <a:rPr lang="en-US" dirty="0" smtClean="0">
                 <a:solidFill>
-                  <a:srgbClr val="002060"/>
+                  <a:schemeClr val="tx2"/>
                 </a:solidFill>
               </a:rPr>
-              <a:t>Developing  an native mobile app for user friendly job search</a:t>
-            </a:r>
+              <a:t>Developing  an native mobile app for user friendly job search.</a:t>
+            </a:r>
+          </a:p>
+          <a:p>
+            <a:pPr marL="0" indent="0">
+              <a:buNone/>
+            </a:pPr>
+            <a:endParaRPr lang="en-US" dirty="0" smtClean="0">
+              <a:solidFill>
+                <a:schemeClr val="tx2"/>
+              </a:solidFill>
+            </a:endParaRPr>
+          </a:p>
+          <a:p>
+            <a:r>
+              <a:rPr lang="en-US" dirty="0" smtClean="0">
+                <a:solidFill>
+                  <a:schemeClr val="tx2"/>
+                </a:solidFill>
+              </a:rPr>
+              <a:t>Searches jobs based on the country codes.</a:t>
+            </a:r>
+          </a:p>
+          <a:p>
             <a:endParaRPr lang="en-US" dirty="0">
               <a:solidFill>
-                <a:srgbClr val="002060"/>
+                <a:schemeClr val="tx2"/>
+              </a:solidFill>
+            </a:endParaRPr>
+          </a:p>
+          <a:p>
+            <a:r>
+              <a:rPr lang="en-US" dirty="0" smtClean="0">
+                <a:solidFill>
+                  <a:schemeClr val="tx2"/>
+                </a:solidFill>
+              </a:rPr>
+              <a:t>Retrieves data </a:t>
+            </a:r>
+            <a:r>
+              <a:rPr lang="en-US" smtClean="0">
+                <a:solidFill>
+                  <a:schemeClr val="tx2"/>
+                </a:solidFill>
+              </a:rPr>
+              <a:t>to the user.</a:t>
+            </a:r>
+            <a:endParaRPr lang="en-US" dirty="0" smtClean="0">
+              <a:solidFill>
+                <a:schemeClr val="tx2"/>
+              </a:solidFill>
+            </a:endParaRPr>
+          </a:p>
+          <a:p>
+            <a:endParaRPr lang="en-US" dirty="0" smtClean="0">
+              <a:solidFill>
+                <a:schemeClr val="tx2"/>
+              </a:solidFill>
+            </a:endParaRPr>
+          </a:p>
+          <a:p>
+            <a:endParaRPr lang="en-US" dirty="0" smtClean="0">
+              <a:solidFill>
+                <a:schemeClr val="tx2"/>
+              </a:solidFill>
+            </a:endParaRPr>
+          </a:p>
+          <a:p>
+            <a:endParaRPr lang="en-US" dirty="0">
+              <a:solidFill>
+                <a:schemeClr val="tx2"/>
               </a:solidFill>
             </a:endParaRPr>
           </a:p>
@@ -5913,7 +5798,7 @@
           <a:lstStyle/>
           <a:p>
             <a:r>
-              <a:rPr lang="en-US" sz="2800" dirty="0" smtClean="0">
+              <a:rPr lang="en-US" dirty="0" smtClean="0">
                 <a:solidFill>
                   <a:srgbClr val="002060"/>
                 </a:solidFill>
@@ -5969,8 +5854,25 @@
             <a:pPr algn="just"/>
             <a:r>
               <a:rPr lang="en-US" dirty="0"/>
-              <a:t>The application is designed for easy search of jobs for the job seekers based on the search criteria. </a:t>
-            </a:r>
+              <a:t>The application is designed for easy search of jobs for the job seekers based on the search </a:t>
+            </a:r>
+            <a:r>
+              <a:rPr lang="en-US" dirty="0" smtClean="0"/>
+              <a:t>criteria</a:t>
+            </a:r>
+            <a:r>
+              <a:rPr lang="en-US" dirty="0"/>
+              <a:t> </a:t>
+            </a:r>
+            <a:r>
+              <a:rPr lang="en-US" dirty="0" smtClean="0"/>
+              <a:t>using country codes.</a:t>
+            </a:r>
+          </a:p>
+          <a:p>
+            <a:pPr marL="0" indent="0" algn="just">
+              <a:buNone/>
+            </a:pPr>
             <a:endParaRPr lang="en-US" dirty="0" smtClean="0"/>
           </a:p>
           <a:p>
@@ -6040,66 +5942,75 @@
         </p:nvSpPr>
         <p:spPr/>
         <p:txBody>
-          <a:bodyPr>
-            <a:normAutofit/>
-          </a:bodyPr>
-          <a:lstStyle/>
-          <a:p>
-            <a:r>
-              <a:rPr lang="en-US" sz="2400" dirty="0" smtClean="0"/>
-              <a:t>Implementation</a:t>
-            </a:r>
-            <a:endParaRPr lang="en-US" sz="2400" dirty="0"/>
-          </a:p>
-        </p:txBody>
-      </p:sp>
-      <p:pic>
-        <p:nvPicPr>
-          <p:cNvPr id="1026" name="Picture 2" descr="C:\Users\Siva Krishna\Desktop\amigo.PNG"/>
-          <p:cNvPicPr>
-            <a:picLocks noGrp="1" noChangeAspect="1" noChangeArrowheads="1"/>
-          </p:cNvPicPr>
+          <a:bodyPr/>
+          <a:lstStyle/>
+          <a:p>
+            <a:r>
+              <a:rPr lang="en-US" dirty="0" smtClean="0"/>
+              <a:t>Technologies Used</a:t>
+            </a:r>
+            <a:endParaRPr lang="en-US" dirty="0"/>
+          </a:p>
+        </p:txBody>
+      </p:sp>
+      <p:sp>
+        <p:nvSpPr>
+          <p:cNvPr id="3" name="Content Placeholder 2"/>
+          <p:cNvSpPr>
+            <a:spLocks noGrp="1"/>
+          </p:cNvSpPr>
           <p:nvPr>
             <p:ph idx="1"/>
           </p:nvPr>
-        </p:nvPicPr>
-        <p:blipFill>
-          <a:blip r:embed="rId2">
-            <a:extLst>
-              <a:ext uri="{28A0092B-C50C-407E-A947-70E740481C1C}">
-                <a14:useLocalDpi xmlns:a14="http://schemas.microsoft.com/office/drawing/2010/main" val="0"/>
-              </a:ext>
-            </a:extLst>
-          </a:blip>
-          <a:srcRect/>
-          <a:stretch>
-            <a:fillRect/>
-          </a:stretch>
-        </p:blipFill>
-        <p:spPr bwMode="auto">
-          <a:xfrm>
-            <a:off x="1463675" y="2376712"/>
-            <a:ext cx="6196013" cy="3088827"/>
-          </a:xfrm>
-          <a:prstGeom prst="rect">
-            <a:avLst/>
-          </a:prstGeom>
-          <a:noFill/>
-          <a:extLst>
-            <a:ext uri="{909E8E84-426E-40DD-AFC4-6F175D3DCCD1}">
-              <a14:hiddenFill xmlns:a14="http://schemas.microsoft.com/office/drawing/2010/main">
-                <a:solidFill>
-                  <a:srgbClr val="FFFFFF"/>
-                </a:solidFill>
-              </a14:hiddenFill>
-            </a:ext>
-          </a:extLst>
-        </p:spPr>
-      </p:pic>
+        </p:nvSpPr>
+        <p:spPr/>
+        <p:txBody>
+          <a:bodyPr/>
+          <a:lstStyle/>
+          <a:p>
+            <a:r>
+              <a:rPr lang="en-US" dirty="0" smtClean="0"/>
+              <a:t>Android SDK</a:t>
+            </a:r>
+          </a:p>
+          <a:p>
+            <a:pPr marL="0" indent="0">
+              <a:buNone/>
+            </a:pPr>
+            <a:endParaRPr lang="en-US" dirty="0" smtClean="0"/>
+          </a:p>
+          <a:p>
+            <a:r>
+              <a:rPr lang="en-US" dirty="0" err="1" smtClean="0"/>
+              <a:t>Bluemix</a:t>
+            </a:r>
+            <a:r>
+              <a:rPr lang="en-US" dirty="0" smtClean="0"/>
+              <a:t> mobile cloud</a:t>
+            </a:r>
+          </a:p>
+          <a:p>
+            <a:endParaRPr lang="en-US" dirty="0"/>
+          </a:p>
+          <a:p>
+            <a:r>
+              <a:rPr lang="en-US" dirty="0" err="1" smtClean="0"/>
+              <a:t>Bluemix</a:t>
+            </a:r>
+            <a:r>
+              <a:rPr lang="en-US" dirty="0" smtClean="0"/>
+              <a:t> mobile data</a:t>
+            </a:r>
+          </a:p>
+          <a:p>
+            <a:endParaRPr lang="en-US" dirty="0"/>
+          </a:p>
+        </p:txBody>
+      </p:sp>
     </p:spTree>
     <p:extLst>
       <p:ext uri="{BB962C8B-B14F-4D97-AF65-F5344CB8AC3E}">
-        <p14:creationId xmlns:p14="http://schemas.microsoft.com/office/powerpoint/2010/main" val="322932612"/>
+        <p14:creationId xmlns:p14="http://schemas.microsoft.com/office/powerpoint/2010/main" val="438341631"/>
       </p:ext>
     </p:extLst>
   </p:cSld>
@@ -6143,59 +6054,57 @@
           <a:p>
             <a:r>
               <a:rPr lang="en-US" dirty="0" smtClean="0"/>
-              <a:t>Cont..</a:t>
+              <a:t>How it Works</a:t>
             </a:r>
             <a:endParaRPr lang="en-US" dirty="0"/>
           </a:p>
         </p:txBody>
       </p:sp>
-      <p:pic>
-        <p:nvPicPr>
-          <p:cNvPr id="2050" name="Picture 2" descr="C:\Users\Siva Krishna\Desktop\app health.PNG"/>
-          <p:cNvPicPr>
-            <a:picLocks noGrp="1" noChangeAspect="1" noChangeArrowheads="1"/>
-          </p:cNvPicPr>
+      <p:sp>
+        <p:nvSpPr>
+          <p:cNvPr id="3" name="Content Placeholder 2"/>
+          <p:cNvSpPr>
+            <a:spLocks noGrp="1"/>
+          </p:cNvSpPr>
           <p:nvPr>
             <p:ph idx="1"/>
           </p:nvPr>
-        </p:nvPicPr>
-        <p:blipFill>
-          <a:blip r:embed="rId2">
-            <a:extLst>
-              <a:ext uri="{28A0092B-C50C-407E-A947-70E740481C1C}">
-                <a14:useLocalDpi xmlns:a14="http://schemas.microsoft.com/office/drawing/2010/main" val="0"/>
-              </a:ext>
-            </a:extLst>
-          </a:blip>
-          <a:srcRect/>
-          <a:stretch>
-            <a:fillRect/>
-          </a:stretch>
-        </p:blipFill>
-        <p:spPr bwMode="auto">
-          <a:xfrm>
-            <a:off x="1463675" y="2367539"/>
-            <a:ext cx="6196013" cy="3107172"/>
-          </a:xfrm>
-          <a:prstGeom prst="rect">
-            <a:avLst/>
-          </a:prstGeom>
-          <a:noFill/>
-          <a:extLst>
-            <a:ext uri="{909E8E84-426E-40DD-AFC4-6F175D3DCCD1}">
-              <a14:hiddenFill xmlns:a14="http://schemas.microsoft.com/office/drawing/2010/main">
-                <a:solidFill>
-                  <a:srgbClr val="FFFFFF"/>
-                </a:solidFill>
-              </a14:hiddenFill>
-            </a:ext>
-          </a:extLst>
-        </p:spPr>
-      </p:pic>
+        </p:nvSpPr>
+        <p:spPr/>
+        <p:txBody>
+          <a:bodyPr/>
+          <a:lstStyle/>
+          <a:p>
+            <a:r>
+              <a:rPr lang="en-US" dirty="0" smtClean="0"/>
+              <a:t>Search jobs based on the country codes</a:t>
+            </a:r>
+          </a:p>
+          <a:p>
+            <a:r>
+              <a:rPr lang="en-US" dirty="0" smtClean="0"/>
+              <a:t>Complete details of job are retrieved back in the UI.</a:t>
+            </a:r>
+          </a:p>
+          <a:p>
+            <a:r>
+              <a:rPr lang="en-US" dirty="0" smtClean="0"/>
+              <a:t>We used career builder API for the job list retrieval.</a:t>
+            </a:r>
+          </a:p>
+          <a:p>
+            <a:r>
+              <a:rPr lang="en-US" dirty="0" smtClean="0"/>
+              <a:t>Later they can apply to the job directly which is stored in DB for further reference.</a:t>
+            </a:r>
+            <a:endParaRPr lang="en-US" dirty="0"/>
+          </a:p>
+        </p:txBody>
+      </p:sp>
     </p:spTree>
     <p:extLst>
       <p:ext uri="{BB962C8B-B14F-4D97-AF65-F5344CB8AC3E}">
-        <p14:creationId xmlns:p14="http://schemas.microsoft.com/office/powerpoint/2010/main" val="787573007"/>
+        <p14:creationId xmlns:p14="http://schemas.microsoft.com/office/powerpoint/2010/main" val="1968977912"/>
       </p:ext>
     </p:extLst>
   </p:cSld>
@@ -6239,7 +6148,7 @@
           <a:p>
             <a:r>
               <a:rPr lang="en-US" dirty="0" smtClean="0"/>
-              <a:t>Cloud Data Storage</a:t>
+              <a:t> </a:t>
             </a:r>
             <a:endParaRPr lang="en-US" dirty="0"/>
           </a:p>
@@ -6247,7 +6156,7 @@
       </p:sp>
       <p:pic>
         <p:nvPicPr>
-          <p:cNvPr id="3074" name="Picture 2" descr="C:\Users\Siva Krishna\Desktop\data1.PNG"/>
+          <p:cNvPr id="1026" name="Picture 2" descr="C:\Users\Siva Krishna\Desktop\Course Syllabus\ASE\Project\Screenshots\Screenshot_2014-10-30-23-34-18.png"/>
           <p:cNvPicPr>
             <a:picLocks noGrp="1" noChangeAspect="1" noChangeArrowheads="1"/>
           </p:cNvPicPr>
@@ -6270,8 +6179,49 @@
         </p:blipFill>
         <p:spPr bwMode="auto">
           <a:xfrm>
-            <a:off x="1463675" y="2357217"/>
-            <a:ext cx="6196013" cy="3127817"/>
+            <a:off x="1981200" y="1981200"/>
+            <a:ext cx="2133600" cy="3513138"/>
+          </a:xfrm>
+          <a:prstGeom prst="rect">
+            <a:avLst/>
+          </a:prstGeom>
+          <a:noFill/>
+          <a:extLst>
+            <a:ext uri="{909E8E84-426E-40DD-AFC4-6F175D3DCCD1}">
+              <a14:hiddenFill xmlns:a14="http://schemas.microsoft.com/office/drawing/2010/main">
+                <a:solidFill>
+                  <a:srgbClr val="FFFFFF"/>
+                </a:solidFill>
+              </a14:hiddenFill>
+            </a:ext>
+          </a:extLst>
+        </p:spPr>
+      </p:pic>
+      <p:pic>
+        <p:nvPicPr>
+          <p:cNvPr id="1027" name="Picture 3" descr="C:\Users\Siva Krishna\Desktop\Course Syllabus\ASE\Project\Screenshots\Screenshot_2014-10-30-23-34-33.png"/>
+          <p:cNvPicPr>
+            <a:picLocks noChangeAspect="1" noChangeArrowheads="1"/>
+          </p:cNvPicPr>
+          <p:nvPr/>
+        </p:nvPicPr>
+        <p:blipFill>
+          <a:blip r:embed="rId3">
+            <a:extLst>
+              <a:ext uri="{28A0092B-C50C-407E-A947-70E740481C1C}">
+                <a14:useLocalDpi xmlns:a14="http://schemas.microsoft.com/office/drawing/2010/main" val="0"/>
+              </a:ext>
+            </a:extLst>
+          </a:blip>
+          <a:srcRect/>
+          <a:stretch>
+            <a:fillRect/>
+          </a:stretch>
+        </p:blipFill>
+        <p:spPr bwMode="auto">
+          <a:xfrm>
+            <a:off x="4648200" y="1951512"/>
+            <a:ext cx="2133600" cy="3458688"/>
           </a:xfrm>
           <a:prstGeom prst="rect">
             <a:avLst/>
@@ -6291,7 +6241,7 @@
     </p:spTree>
     <p:extLst>
       <p:ext uri="{BB962C8B-B14F-4D97-AF65-F5344CB8AC3E}">
-        <p14:creationId xmlns:p14="http://schemas.microsoft.com/office/powerpoint/2010/main" val="1008838315"/>
+        <p14:creationId xmlns:p14="http://schemas.microsoft.com/office/powerpoint/2010/main" val="845732810"/>
       </p:ext>
     </p:extLst>
   </p:cSld>
@@ -6328,125 +6278,6 @@
             <p:ph type="title"/>
           </p:nvPr>
         </p:nvSpPr>
-        <p:spPr>
-          <a:xfrm>
-            <a:off x="0" y="274638"/>
-            <a:ext cx="8991600" cy="1143000"/>
-          </a:xfrm>
-        </p:spPr>
-        <p:txBody>
-          <a:bodyPr>
-            <a:normAutofit/>
-          </a:bodyPr>
-          <a:lstStyle/>
-          <a:p>
-            <a:r>
-              <a:rPr lang="en-US" sz="2400" dirty="0" smtClean="0">
-                <a:solidFill>
-                  <a:srgbClr val="002060"/>
-                </a:solidFill>
-              </a:rPr>
-              <a:t>IMPLICATIONS,CHALLENGES,OPPORTUNITIES</a:t>
-            </a:r>
-            <a:endParaRPr lang="en-US" sz="2400" dirty="0">
-              <a:solidFill>
-                <a:srgbClr val="002060"/>
-              </a:solidFill>
-            </a:endParaRPr>
-          </a:p>
-        </p:txBody>
-      </p:sp>
-      <p:sp>
-        <p:nvSpPr>
-          <p:cNvPr id="3" name="Content Placeholder 2"/>
-          <p:cNvSpPr>
-            <a:spLocks noGrp="1"/>
-          </p:cNvSpPr>
-          <p:nvPr>
-            <p:ph idx="1"/>
-          </p:nvPr>
-        </p:nvSpPr>
-        <p:spPr>
-          <a:xfrm>
-            <a:off x="1463040" y="1447800"/>
-            <a:ext cx="6196405" cy="4275269"/>
-          </a:xfrm>
-        </p:spPr>
-        <p:txBody>
-          <a:bodyPr>
-            <a:normAutofit/>
-          </a:bodyPr>
-          <a:lstStyle/>
-          <a:p>
-            <a:endParaRPr lang="en-US" sz="1600" dirty="0" smtClean="0">
-              <a:latin typeface="Cambria" panose="02040503050406030204" pitchFamily="18" charset="0"/>
-            </a:endParaRPr>
-          </a:p>
-          <a:p>
-            <a:r>
-              <a:rPr lang="en-US" dirty="0" smtClean="0"/>
-              <a:t>Provides user friendly </a:t>
-            </a:r>
-            <a:r>
-              <a:rPr lang="en-US" smtClean="0"/>
-              <a:t>job search</a:t>
-            </a:r>
-          </a:p>
-          <a:p>
-            <a:endParaRPr lang="en-US" smtClean="0"/>
-          </a:p>
-          <a:p>
-            <a:endParaRPr lang="en-US" dirty="0"/>
-          </a:p>
-        </p:txBody>
-      </p:sp>
-    </p:spTree>
-    <p:extLst>
-      <p:ext uri="{BB962C8B-B14F-4D97-AF65-F5344CB8AC3E}">
-        <p14:creationId xmlns:p14="http://schemas.microsoft.com/office/powerpoint/2010/main" val="2018340440"/>
-      </p:ext>
-    </p:extLst>
-  </p:cSld>
-  <p:clrMapOvr>
-    <a:masterClrMapping/>
-  </p:clrMapOvr>
-  <p:timing>
-    <p:tnLst>
-      <p:par>
-        <p:cTn id="1" dur="indefinite" restart="never" nodeType="tmRoot"/>
-      </p:par>
-    </p:tnLst>
-  </p:timing>
-</p:sld>
-</file>
-
-<file path=ppt/slides/slide9.xml><?xml version="1.0" encoding="utf-8"?>
-<p:sld xmlns:a="http://schemas.openxmlformats.org/drawingml/2006/main" xmlns:r="http://schemas.openxmlformats.org/officeDocument/2006/relationships" xmlns:p="http://schemas.openxmlformats.org/presentationml/2006/main">
-  <p:cSld>
-    <p:spTree>
-      <p:nvGrpSpPr>
-        <p:cNvPr id="1" name=""/>
-        <p:cNvGrpSpPr/>
-        <p:nvPr/>
-      </p:nvGrpSpPr>
-      <p:grpSpPr>
-        <a:xfrm>
-          <a:off x="0" y="0"/>
-          <a:ext cx="0" cy="0"/>
-          <a:chOff x="0" y="0"/>
-          <a:chExt cx="0" cy="0"/>
-        </a:xfrm>
-      </p:grpSpPr>
-      <p:sp>
-        <p:nvSpPr>
-          <p:cNvPr id="2" name="Title 1"/>
-          <p:cNvSpPr>
-            <a:spLocks noGrp="1"/>
-          </p:cNvSpPr>
-          <p:nvPr>
-            <p:ph type="title"/>
-          </p:nvPr>
-        </p:nvSpPr>
         <p:spPr/>
         <p:txBody>
           <a:bodyPr>
@@ -6502,7 +6333,7 @@
                 </a:solidFill>
                 <a:latin typeface="Cambria" panose="02040503050406030204" pitchFamily="18" charset="0"/>
               </a:rPr>
-              <a:t>Search jobs easily for the users.</a:t>
+              <a:t>Helps in searching jobs easily for the users.</a:t>
             </a:r>
             <a:endParaRPr lang="en-US" dirty="0">
               <a:solidFill>
@@ -6558,6 +6389,86 @@
     <p:extLst>
       <p:ext uri="{BB962C8B-B14F-4D97-AF65-F5344CB8AC3E}">
         <p14:creationId xmlns:p14="http://schemas.microsoft.com/office/powerpoint/2010/main" val="2842742828"/>
+      </p:ext>
+    </p:extLst>
+  </p:cSld>
+  <p:clrMapOvr>
+    <a:masterClrMapping/>
+  </p:clrMapOvr>
+  <p:timing>
+    <p:tnLst>
+      <p:par>
+        <p:cTn id="1" dur="indefinite" restart="never" nodeType="tmRoot"/>
+      </p:par>
+    </p:tnLst>
+  </p:timing>
+</p:sld>
+</file>
+
+<file path=ppt/slides/slide9.xml><?xml version="1.0" encoding="utf-8"?>
+<p:sld xmlns:a="http://schemas.openxmlformats.org/drawingml/2006/main" xmlns:r="http://schemas.openxmlformats.org/officeDocument/2006/relationships" xmlns:p="http://schemas.openxmlformats.org/presentationml/2006/main">
+  <p:cSld>
+    <p:spTree>
+      <p:nvGrpSpPr>
+        <p:cNvPr id="1" name=""/>
+        <p:cNvGrpSpPr/>
+        <p:nvPr/>
+      </p:nvGrpSpPr>
+      <p:grpSpPr>
+        <a:xfrm>
+          <a:off x="0" y="0"/>
+          <a:ext cx="0" cy="0"/>
+          <a:chOff x="0" y="0"/>
+          <a:chExt cx="0" cy="0"/>
+        </a:xfrm>
+      </p:grpSpPr>
+      <p:pic>
+        <p:nvPicPr>
+          <p:cNvPr id="4098" name="Picture 2" descr="C:\Users\Ravisha\Desktop\9309_original.gif"/>
+          <p:cNvPicPr>
+            <a:picLocks noGrp="1" noChangeAspect="1" noChangeArrowheads="1" noCrop="1"/>
+          </p:cNvPicPr>
+          <p:nvPr>
+            <p:ph idx="1"/>
+          </p:nvPr>
+        </p:nvPicPr>
+        <p:blipFill>
+          <a:blip r:embed="rId2">
+            <a:extLst>
+              <a:ext uri="{28A0092B-C50C-407E-A947-70E740481C1C}">
+                <a14:useLocalDpi xmlns:a14="http://schemas.microsoft.com/office/drawing/2010/main" val="0"/>
+              </a:ext>
+            </a:extLst>
+          </a:blip>
+          <a:srcRect/>
+          <a:stretch>
+            <a:fillRect/>
+          </a:stretch>
+        </p:blipFill>
+        <p:spPr bwMode="auto">
+          <a:xfrm>
+            <a:off x="1295400" y="990600"/>
+            <a:ext cx="6285209" cy="4800600"/>
+          </a:xfrm>
+          <a:prstGeom prst="rect">
+            <a:avLst/>
+          </a:prstGeom>
+          <a:noFill/>
+          <a:extLst>
+            <a:ext uri="{909E8E84-426E-40DD-AFC4-6F175D3DCCD1}">
+              <a14:hiddenFill xmlns:a14="http://schemas.microsoft.com/office/drawing/2010/main">
+                <a:solidFill>
+                  <a:srgbClr val="FFFFFF"/>
+                </a:solidFill>
+              </a14:hiddenFill>
+            </a:ext>
+          </a:extLst>
+        </p:spPr>
+      </p:pic>
+    </p:spTree>
+    <p:extLst>
+      <p:ext uri="{BB962C8B-B14F-4D97-AF65-F5344CB8AC3E}">
+        <p14:creationId xmlns:p14="http://schemas.microsoft.com/office/powerpoint/2010/main" val="2127245683"/>
       </p:ext>
     </p:extLst>
   </p:cSld>
